--- a/OOP PROJECT/START-UML.pptx
+++ b/OOP PROJECT/START-UML.pptx
@@ -246,7 +246,7 @@
           <a:p>
             <a:fld id="{697A96CA-DB9C-4F05-BC5E-EE307CF5B842}" type="datetimeFigureOut">
               <a:rPr lang="en-US" smtClean="0"/>
-              <a:t>6/28/2022</a:t>
+              <a:t>6/29/2022</a:t>
             </a:fld>
             <a:endParaRPr lang="en-US"/>
           </a:p>
@@ -414,7 +414,7 @@
           <a:p>
             <a:fld id="{697A96CA-DB9C-4F05-BC5E-EE307CF5B842}" type="datetimeFigureOut">
               <a:rPr lang="en-US" smtClean="0"/>
-              <a:t>6/28/2022</a:t>
+              <a:t>6/29/2022</a:t>
             </a:fld>
             <a:endParaRPr lang="en-US"/>
           </a:p>
@@ -592,7 +592,7 @@
           <a:p>
             <a:fld id="{697A96CA-DB9C-4F05-BC5E-EE307CF5B842}" type="datetimeFigureOut">
               <a:rPr lang="en-US" smtClean="0"/>
-              <a:t>6/28/2022</a:t>
+              <a:t>6/29/2022</a:t>
             </a:fld>
             <a:endParaRPr lang="en-US"/>
           </a:p>
@@ -760,7 +760,7 @@
           <a:p>
             <a:fld id="{697A96CA-DB9C-4F05-BC5E-EE307CF5B842}" type="datetimeFigureOut">
               <a:rPr lang="en-US" smtClean="0"/>
-              <a:t>6/28/2022</a:t>
+              <a:t>6/29/2022</a:t>
             </a:fld>
             <a:endParaRPr lang="en-US"/>
           </a:p>
@@ -1005,7 +1005,7 @@
           <a:p>
             <a:fld id="{697A96CA-DB9C-4F05-BC5E-EE307CF5B842}" type="datetimeFigureOut">
               <a:rPr lang="en-US" smtClean="0"/>
-              <a:t>6/28/2022</a:t>
+              <a:t>6/29/2022</a:t>
             </a:fld>
             <a:endParaRPr lang="en-US"/>
           </a:p>
@@ -1234,7 +1234,7 @@
           <a:p>
             <a:fld id="{697A96CA-DB9C-4F05-BC5E-EE307CF5B842}" type="datetimeFigureOut">
               <a:rPr lang="en-US" smtClean="0"/>
-              <a:t>6/28/2022</a:t>
+              <a:t>6/29/2022</a:t>
             </a:fld>
             <a:endParaRPr lang="en-US"/>
           </a:p>
@@ -1598,7 +1598,7 @@
           <a:p>
             <a:fld id="{697A96CA-DB9C-4F05-BC5E-EE307CF5B842}" type="datetimeFigureOut">
               <a:rPr lang="en-US" smtClean="0"/>
-              <a:t>6/28/2022</a:t>
+              <a:t>6/29/2022</a:t>
             </a:fld>
             <a:endParaRPr lang="en-US"/>
           </a:p>
@@ -1715,7 +1715,7 @@
           <a:p>
             <a:fld id="{697A96CA-DB9C-4F05-BC5E-EE307CF5B842}" type="datetimeFigureOut">
               <a:rPr lang="en-US" smtClean="0"/>
-              <a:t>6/28/2022</a:t>
+              <a:t>6/29/2022</a:t>
             </a:fld>
             <a:endParaRPr lang="en-US"/>
           </a:p>
@@ -1810,7 +1810,7 @@
           <a:p>
             <a:fld id="{697A96CA-DB9C-4F05-BC5E-EE307CF5B842}" type="datetimeFigureOut">
               <a:rPr lang="en-US" smtClean="0"/>
-              <a:t>6/28/2022</a:t>
+              <a:t>6/29/2022</a:t>
             </a:fld>
             <a:endParaRPr lang="en-US"/>
           </a:p>
@@ -2085,7 +2085,7 @@
           <a:p>
             <a:fld id="{697A96CA-DB9C-4F05-BC5E-EE307CF5B842}" type="datetimeFigureOut">
               <a:rPr lang="en-US" smtClean="0"/>
-              <a:t>6/28/2022</a:t>
+              <a:t>6/29/2022</a:t>
             </a:fld>
             <a:endParaRPr lang="en-US"/>
           </a:p>
@@ -2337,7 +2337,7 @@
           <a:p>
             <a:fld id="{697A96CA-DB9C-4F05-BC5E-EE307CF5B842}" type="datetimeFigureOut">
               <a:rPr lang="en-US" smtClean="0"/>
-              <a:t>6/28/2022</a:t>
+              <a:t>6/29/2022</a:t>
             </a:fld>
             <a:endParaRPr lang="en-US"/>
           </a:p>
@@ -2548,7 +2548,7 @@
           <a:p>
             <a:fld id="{697A96CA-DB9C-4F05-BC5E-EE307CF5B842}" type="datetimeFigureOut">
               <a:rPr lang="en-US" smtClean="0"/>
-              <a:t>6/28/2022</a:t>
+              <a:t>6/29/2022</a:t>
             </a:fld>
             <a:endParaRPr lang="en-US"/>
           </a:p>
@@ -4060,18 +4060,13 @@
           <a:lstStyle/>
           <a:p>
             <a:r>
-              <a:rPr lang="en-US" b="1" dirty="0" err="1">
+              <a:rPr lang="en-US" b="1" dirty="0">
                 <a:solidFill>
                   <a:srgbClr val="0070C0"/>
                 </a:solidFill>
               </a:rPr>
               <a:t>OrderManager</a:t>
             </a:r>
-            <a:endParaRPr lang="en-US" b="1" dirty="0">
-              <a:solidFill>
-                <a:srgbClr val="0070C0"/>
-              </a:solidFill>
-            </a:endParaRPr>
           </a:p>
         </p:txBody>
       </p:sp>
@@ -4321,8 +4316,8 @@
         </p:nvSpPr>
         <p:spPr>
           <a:xfrm>
-            <a:off x="4932993" y="1589720"/>
-            <a:ext cx="1455313" cy="914400"/>
+            <a:off x="4932993" y="1589719"/>
+            <a:ext cx="1651862" cy="1155877"/>
           </a:xfrm>
           <a:prstGeom prst="rect">
             <a:avLst/>
@@ -4352,7 +4347,10 @@
           <a:lstStyle/>
           <a:p>
             <a:pPr algn="ctr"/>
-            <a:endParaRPr lang="en-US"/>
+            <a:r>
+              <a:rPr lang="en-US" sz="1600" dirty="0"/>
+              <a:t>isEqul()</a:t>
+            </a:r>
           </a:p>
         </p:txBody>
       </p:sp>
@@ -4424,7 +4422,7 @@
         <p:spPr>
           <a:xfrm>
             <a:off x="4932993" y="3006396"/>
-            <a:ext cx="1455313" cy="914400"/>
+            <a:ext cx="1455313" cy="1589314"/>
           </a:xfrm>
           <a:prstGeom prst="rect">
             <a:avLst/>
@@ -4525,8 +4523,8 @@
         </p:nvSpPr>
         <p:spPr>
           <a:xfrm>
-            <a:off x="7112247" y="2437807"/>
-            <a:ext cx="1455313" cy="914400"/>
+            <a:off x="7112247" y="1890126"/>
+            <a:ext cx="1998871" cy="1462081"/>
           </a:xfrm>
           <a:prstGeom prst="rect">
             <a:avLst/>
@@ -4563,13 +4561,15 @@
       <p:cxnSp>
         <p:nvCxnSpPr>
           <p:cNvPr id="12" name="Straight Connector 11"/>
-          <p:cNvCxnSpPr/>
+          <p:cNvCxnSpPr>
+            <a:cxnSpLocks/>
+          </p:cNvCxnSpPr>
           <p:nvPr/>
         </p:nvCxnSpPr>
         <p:spPr>
-          <a:xfrm flipV="1">
-            <a:off x="7108298" y="2865694"/>
-            <a:ext cx="1455313" cy="1"/>
+          <a:xfrm>
+            <a:off x="7095317" y="2274883"/>
+            <a:ext cx="2015801" cy="0"/>
           </a:xfrm>
           <a:prstGeom prst="line">
             <a:avLst/>
@@ -4598,7 +4598,7 @@
         </p:nvSpPr>
         <p:spPr>
           <a:xfrm>
-            <a:off x="7532992" y="2483983"/>
+            <a:off x="7804771" y="1923526"/>
             <a:ext cx="613822" cy="369332"/>
           </a:xfrm>
           <a:prstGeom prst="rect">
@@ -4728,14 +4728,14 @@
         <p:nvCxnSpPr>
           <p:cNvPr id="31" name="Straight Connector 30"/>
           <p:cNvCxnSpPr>
-            <a:endCxn id="5" idx="1"/>
+            <a:cxnSpLocks/>
           </p:cNvCxnSpPr>
           <p:nvPr/>
         </p:nvCxnSpPr>
         <p:spPr>
-          <a:xfrm>
-            <a:off x="3873803" y="2046920"/>
-            <a:ext cx="1059180" cy="0"/>
+          <a:xfrm flipV="1">
+            <a:off x="3873803" y="2036275"/>
+            <a:ext cx="1058889" cy="10645"/>
           </a:xfrm>
           <a:prstGeom prst="line">
             <a:avLst/>
@@ -5189,8 +5189,8 @@
         </p:nvSpPr>
         <p:spPr>
           <a:xfrm>
-            <a:off x="7095973" y="3694689"/>
-            <a:ext cx="1455313" cy="914400"/>
+            <a:off x="7095973" y="3506974"/>
+            <a:ext cx="1999045" cy="1462081"/>
           </a:xfrm>
           <a:prstGeom prst="rect">
             <a:avLst/>
@@ -5227,13 +5227,15 @@
       <p:cxnSp>
         <p:nvCxnSpPr>
           <p:cNvPr id="46" name="Straight Connector 45"/>
-          <p:cNvCxnSpPr/>
+          <p:cNvCxnSpPr>
+            <a:cxnSpLocks/>
+          </p:cNvCxnSpPr>
           <p:nvPr/>
         </p:nvCxnSpPr>
         <p:spPr>
-          <a:xfrm flipV="1">
-            <a:off x="7128242" y="4209073"/>
-            <a:ext cx="1455313" cy="1"/>
+          <a:xfrm>
+            <a:off x="7099551" y="3993038"/>
+            <a:ext cx="1995467" cy="0"/>
           </a:xfrm>
           <a:prstGeom prst="line">
             <a:avLst/>
@@ -5262,7 +5264,7 @@
         </p:nvSpPr>
         <p:spPr>
           <a:xfrm>
-            <a:off x="7482142" y="3717080"/>
+            <a:off x="7623595" y="3511037"/>
             <a:ext cx="815351" cy="369332"/>
           </a:xfrm>
           <a:prstGeom prst="rect">
@@ -5785,7 +5787,7 @@
         </p:nvSpPr>
         <p:spPr>
           <a:xfrm>
-            <a:off x="4898319" y="4717589"/>
+            <a:off x="4898048" y="5026209"/>
             <a:ext cx="1455313" cy="1784823"/>
           </a:xfrm>
           <a:prstGeom prst="rect">
@@ -5828,7 +5830,7 @@
         </p:nvCxnSpPr>
         <p:spPr>
           <a:xfrm flipV="1">
-            <a:off x="4898319" y="5240612"/>
+            <a:off x="4898048" y="5549232"/>
             <a:ext cx="1455313" cy="1"/>
           </a:xfrm>
           <a:prstGeom prst="line">
@@ -5858,7 +5860,7 @@
         </p:nvSpPr>
         <p:spPr>
           <a:xfrm>
-            <a:off x="4918885" y="4890478"/>
+            <a:off x="4918614" y="5199098"/>
             <a:ext cx="1449179" cy="369332"/>
           </a:xfrm>
           <a:prstGeom prst="rect">
@@ -5887,7 +5889,7 @@
         </p:nvSpPr>
         <p:spPr>
           <a:xfrm>
-            <a:off x="5242784" y="4702814"/>
+            <a:off x="5242513" y="5011434"/>
             <a:ext cx="697627" cy="276999"/>
           </a:xfrm>
           <a:prstGeom prst="rect">
@@ -5916,7 +5918,7 @@
         </p:nvSpPr>
         <p:spPr>
           <a:xfrm>
-            <a:off x="5140983" y="5324130"/>
+            <a:off x="5140712" y="5632750"/>
             <a:ext cx="809837" cy="738664"/>
           </a:xfrm>
           <a:prstGeom prst="rect">
@@ -5952,13 +5954,15 @@
       <p:cxnSp>
         <p:nvCxnSpPr>
           <p:cNvPr id="71" name="Straight Connector 70"/>
-          <p:cNvCxnSpPr/>
+          <p:cNvCxnSpPr>
+            <a:cxnSpLocks/>
+          </p:cNvCxnSpPr>
           <p:nvPr/>
         </p:nvCxnSpPr>
         <p:spPr>
-          <a:xfrm flipH="1" flipV="1">
-            <a:off x="5614289" y="3910470"/>
-            <a:ext cx="2097" cy="811400"/>
+          <a:xfrm flipV="1">
+            <a:off x="5616806" y="4595710"/>
+            <a:ext cx="26397" cy="430499"/>
           </a:xfrm>
           <a:prstGeom prst="line">
             <a:avLst/>
@@ -5987,7 +5991,7 @@
         </p:nvSpPr>
         <p:spPr>
           <a:xfrm>
-            <a:off x="5621375" y="4404118"/>
+            <a:off x="5621104" y="4712738"/>
             <a:ext cx="301686" cy="369332"/>
           </a:xfrm>
           <a:prstGeom prst="rect">
@@ -6016,7 +6020,7 @@
         </p:nvSpPr>
         <p:spPr>
           <a:xfrm>
-            <a:off x="4932692" y="4455979"/>
+            <a:off x="4932421" y="4764599"/>
             <a:ext cx="681597" cy="261610"/>
           </a:xfrm>
           <a:prstGeom prst="rect">
@@ -6052,7 +6056,7 @@
         <p:spPr>
           <a:xfrm>
             <a:off x="7104368" y="5069346"/>
-            <a:ext cx="1455313" cy="914400"/>
+            <a:ext cx="1990650" cy="1712668"/>
           </a:xfrm>
           <a:prstGeom prst="rect">
             <a:avLst/>
@@ -6095,13 +6099,15 @@
               </a:ext>
             </a:extLst>
           </p:cNvPr>
-          <p:cNvCxnSpPr/>
+          <p:cNvCxnSpPr>
+            <a:cxnSpLocks/>
+          </p:cNvCxnSpPr>
           <p:nvPr/>
         </p:nvCxnSpPr>
         <p:spPr>
-          <a:xfrm flipV="1">
-            <a:off x="7136637" y="5583730"/>
-            <a:ext cx="1455313" cy="1"/>
+          <a:xfrm>
+            <a:off x="7136637" y="5583731"/>
+            <a:ext cx="1990650" cy="0"/>
           </a:xfrm>
           <a:prstGeom prst="line">
             <a:avLst/>
@@ -6229,6 +6235,135 @@
           </a:fontRef>
         </p:style>
       </p:cxnSp>
+      <p:sp>
+        <p:nvSpPr>
+          <p:cNvPr id="78" name="TextBox 77">
+            <a:extLst>
+              <a:ext uri="{FF2B5EF4-FFF2-40B4-BE49-F238E27FC236}">
+                <a16:creationId xmlns:a16="http://schemas.microsoft.com/office/drawing/2014/main" id="{8FF33E8E-34E0-E6D3-F804-8239A6272FFA}"/>
+              </a:ext>
+            </a:extLst>
+          </p:cNvPr>
+          <p:cNvSpPr txBox="1"/>
+          <p:nvPr/>
+        </p:nvSpPr>
+        <p:spPr>
+          <a:xfrm>
+            <a:off x="7185100" y="5652250"/>
+            <a:ext cx="1451423" cy="954107"/>
+          </a:xfrm>
+          <a:prstGeom prst="rect">
+            <a:avLst/>
+          </a:prstGeom>
+          <a:noFill/>
+        </p:spPr>
+        <p:txBody>
+          <a:bodyPr wrap="none" rtlCol="0">
+            <a:spAutoFit/>
+          </a:bodyPr>
+          <a:lstStyle/>
+          <a:p>
+            <a:r>
+              <a:rPr lang="en-US" sz="1400" dirty="0"/>
+              <a:t>Receipt()</a:t>
+            </a:r>
+          </a:p>
+          <a:p>
+            <a:r>
+              <a:rPr lang="en-US" sz="1400" dirty="0"/>
+              <a:t>addOder()</a:t>
+            </a:r>
+          </a:p>
+          <a:p>
+            <a:r>
+              <a:rPr lang="en-US" sz="1400" dirty="0"/>
+              <a:t>updatePayment()</a:t>
+            </a:r>
+          </a:p>
+          <a:p>
+            <a:r>
+              <a:rPr lang="en-US" sz="1400" dirty="0"/>
+              <a:t>getOder()</a:t>
+            </a:r>
+          </a:p>
+        </p:txBody>
+      </p:sp>
+      <p:sp>
+        <p:nvSpPr>
+          <p:cNvPr id="79" name="TextBox 78">
+            <a:extLst>
+              <a:ext uri="{FF2B5EF4-FFF2-40B4-BE49-F238E27FC236}">
+                <a16:creationId xmlns:a16="http://schemas.microsoft.com/office/drawing/2014/main" id="{33518412-63A2-B478-01D1-66DEDD40777A}"/>
+              </a:ext>
+            </a:extLst>
+          </p:cNvPr>
+          <p:cNvSpPr txBox="1"/>
+          <p:nvPr/>
+        </p:nvSpPr>
+        <p:spPr>
+          <a:xfrm>
+            <a:off x="7274211" y="4002456"/>
+            <a:ext cx="1138902" cy="307777"/>
+          </a:xfrm>
+          <a:prstGeom prst="rect">
+            <a:avLst/>
+          </a:prstGeom>
+          <a:noFill/>
+        </p:spPr>
+        <p:txBody>
+          <a:bodyPr wrap="none" rtlCol="0">
+            <a:spAutoFit/>
+          </a:bodyPr>
+          <a:lstStyle/>
+          <a:p>
+            <a:r>
+              <a:rPr lang="en-US" sz="1400" dirty="0"/>
+              <a:t>CreateOder()</a:t>
+            </a:r>
+          </a:p>
+        </p:txBody>
+      </p:sp>
+      <p:sp>
+        <p:nvSpPr>
+          <p:cNvPr id="80" name="TextBox 79">
+            <a:extLst>
+              <a:ext uri="{FF2B5EF4-FFF2-40B4-BE49-F238E27FC236}">
+                <a16:creationId xmlns:a16="http://schemas.microsoft.com/office/drawing/2014/main" id="{0E52962A-1981-CA4C-0A1E-C7E887B30466}"/>
+              </a:ext>
+            </a:extLst>
+          </p:cNvPr>
+          <p:cNvSpPr txBox="1"/>
+          <p:nvPr/>
+        </p:nvSpPr>
+        <p:spPr>
+          <a:xfrm>
+            <a:off x="7200010" y="2284301"/>
+            <a:ext cx="1648785" cy="523220"/>
+          </a:xfrm>
+          <a:prstGeom prst="rect">
+            <a:avLst/>
+          </a:prstGeom>
+          <a:noFill/>
+        </p:spPr>
+        <p:txBody>
+          <a:bodyPr wrap="none" rtlCol="0">
+            <a:spAutoFit/>
+          </a:bodyPr>
+          <a:lstStyle/>
+          <a:p>
+            <a:r>
+              <a:rPr lang="en-US" sz="1400" dirty="0"/>
+              <a:t>takeOder()</a:t>
+            </a:r>
+          </a:p>
+          <a:p>
+            <a:r>
+              <a:rPr lang="en-US" sz="1400" dirty="0"/>
+              <a:t>UpdateOderStatus()</a:t>
+            </a:r>
+          </a:p>
+        </p:txBody>
+      </p:sp>
     </p:spTree>
     <p:extLst>
       <p:ext uri="{BB962C8B-B14F-4D97-AF65-F5344CB8AC3E}">
@@ -6268,7 +6403,7 @@
         <p:spPr>
           <a:xfrm>
             <a:off x="4241921" y="2039019"/>
-            <a:ext cx="2159828" cy="981255"/>
+            <a:ext cx="2159828" cy="1465773"/>
           </a:xfrm>
           <a:prstGeom prst="rect">
             <a:avLst/>
@@ -6298,7 +6433,7 @@
           <a:lstStyle/>
           <a:p>
             <a:pPr algn="ctr"/>
-            <a:endParaRPr lang="en-US"/>
+            <a:endParaRPr lang="en-US" dirty="0"/>
           </a:p>
         </p:txBody>
       </p:sp>
@@ -6307,14 +6442,12 @@
           <p:cNvPr id="3" name="Straight Connector 2"/>
           <p:cNvCxnSpPr>
             <a:cxnSpLocks/>
-            <a:stCxn id="2" idx="1"/>
-            <a:endCxn id="2" idx="3"/>
           </p:cNvCxnSpPr>
           <p:nvPr/>
         </p:nvCxnSpPr>
         <p:spPr>
           <a:xfrm>
-            <a:off x="4241921" y="2529647"/>
+            <a:off x="4241921" y="2446918"/>
             <a:ext cx="2159828" cy="0"/>
           </a:xfrm>
           <a:prstGeom prst="line">
@@ -6373,7 +6506,7 @@
         </p:nvCxnSpPr>
         <p:spPr>
           <a:xfrm>
-            <a:off x="6377966" y="5724956"/>
+            <a:off x="6334365" y="4735254"/>
             <a:ext cx="1059180" cy="0"/>
           </a:xfrm>
           <a:prstGeom prst="line">
@@ -6494,18 +6627,13 @@
           <a:lstStyle/>
           <a:p>
             <a:r>
-              <a:rPr lang="en-US" b="1" dirty="0" err="1">
+              <a:rPr lang="en-US" b="1" dirty="0">
                 <a:solidFill>
                   <a:srgbClr val="0070C0"/>
                 </a:solidFill>
               </a:rPr>
               <a:t>RoomManager</a:t>
             </a:r>
-            <a:endParaRPr lang="en-US" b="1" dirty="0">
-              <a:solidFill>
-                <a:srgbClr val="0070C0"/>
-              </a:solidFill>
-            </a:endParaRPr>
           </a:p>
         </p:txBody>
       </p:sp>
@@ -6517,7 +6645,7 @@
         </p:nvSpPr>
         <p:spPr>
           <a:xfrm>
-            <a:off x="7437146" y="5407314"/>
+            <a:off x="7393545" y="4417612"/>
             <a:ext cx="2159828" cy="635284"/>
           </a:xfrm>
           <a:prstGeom prst="rect">
@@ -6565,7 +6693,7 @@
         </p:nvSpPr>
         <p:spPr>
           <a:xfrm>
-            <a:off x="7949541" y="5506694"/>
+            <a:off x="7905940" y="4516992"/>
             <a:ext cx="1093569" cy="369332"/>
           </a:xfrm>
           <a:prstGeom prst="rect">
@@ -6594,7 +6722,7 @@
         </p:nvSpPr>
         <p:spPr>
           <a:xfrm>
-            <a:off x="5360533" y="3410399"/>
+            <a:off x="5360533" y="4024540"/>
             <a:ext cx="274434" cy="307777"/>
           </a:xfrm>
           <a:prstGeom prst="rect">
@@ -6623,7 +6751,7 @@
         </p:nvSpPr>
         <p:spPr>
           <a:xfrm>
-            <a:off x="6712268" y="5817176"/>
+            <a:off x="6668667" y="4827474"/>
             <a:ext cx="724878" cy="261610"/>
           </a:xfrm>
           <a:prstGeom prst="rect">
@@ -6711,8 +6839,8 @@
         </p:nvSpPr>
         <p:spPr>
           <a:xfrm>
-            <a:off x="4285939" y="2559517"/>
-            <a:ext cx="1019831" cy="430887"/>
+            <a:off x="4241921" y="2447647"/>
+            <a:ext cx="1574534" cy="430887"/>
           </a:xfrm>
           <a:prstGeom prst="rect">
             <a:avLst/>
@@ -6720,7 +6848,7 @@
           <a:noFill/>
         </p:spPr>
         <p:txBody>
-          <a:bodyPr wrap="none" rtlCol="0">
+          <a:bodyPr wrap="square" rtlCol="0">
             <a:spAutoFit/>
           </a:bodyPr>
           <a:lstStyle/>
@@ -6733,7 +6861,7 @@
           <a:p>
             <a:r>
               <a:rPr lang="en-US" sz="1100" dirty="0"/>
-              <a:t>- tables: Table </a:t>
+              <a:t>- tables: Table []</a:t>
             </a:r>
           </a:p>
         </p:txBody>
@@ -6785,8 +6913,8 @@
         </p:nvSpPr>
         <p:spPr>
           <a:xfrm>
-            <a:off x="4285939" y="3714212"/>
-            <a:ext cx="2159828" cy="914400"/>
+            <a:off x="4285939" y="4328353"/>
+            <a:ext cx="2159828" cy="1385572"/>
           </a:xfrm>
           <a:prstGeom prst="rect">
             <a:avLst/>
@@ -6830,14 +6958,13 @@
             </a:extLst>
           </p:cNvPr>
           <p:cNvCxnSpPr>
-            <a:stCxn id="17" idx="1"/>
-            <a:endCxn id="17" idx="3"/>
+            <a:cxnSpLocks/>
           </p:cNvCxnSpPr>
           <p:nvPr/>
         </p:nvCxnSpPr>
         <p:spPr>
           <a:xfrm>
-            <a:off x="4285939" y="4171412"/>
+            <a:off x="4273363" y="4741363"/>
             <a:ext cx="2159828" cy="0"/>
           </a:xfrm>
           <a:prstGeom prst="line">
@@ -6873,7 +7000,7 @@
         </p:nvSpPr>
         <p:spPr>
           <a:xfrm>
-            <a:off x="4999375" y="3751781"/>
+            <a:off x="4999375" y="4365922"/>
             <a:ext cx="679610" cy="369332"/>
           </a:xfrm>
           <a:prstGeom prst="rect">
@@ -6908,8 +7035,8 @@
         </p:nvSpPr>
         <p:spPr>
           <a:xfrm>
-            <a:off x="4329957" y="4233524"/>
-            <a:ext cx="922047" cy="261610"/>
+            <a:off x="4329957" y="4847665"/>
+            <a:ext cx="1616148" cy="430887"/>
           </a:xfrm>
           <a:prstGeom prst="rect">
             <a:avLst/>
@@ -6925,6 +7052,12 @@
             <a:r>
               <a:rPr lang="en-US" sz="1100" dirty="0"/>
               <a:t> - id: number</a:t>
+            </a:r>
+          </a:p>
+          <a:p>
+            <a:r>
+              <a:rPr lang="en-US" sz="1100" dirty="0"/>
+              <a:t>- NumerOfChair: number</a:t>
             </a:r>
           </a:p>
         </p:txBody>
@@ -6938,13 +7071,16 @@
               </a:ext>
             </a:extLst>
           </p:cNvPr>
-          <p:cNvCxnSpPr/>
+          <p:cNvCxnSpPr>
+            <a:cxnSpLocks/>
+            <a:stCxn id="21" idx="0"/>
+          </p:cNvCxnSpPr>
           <p:nvPr/>
         </p:nvCxnSpPr>
         <p:spPr>
-          <a:xfrm flipV="1">
-            <a:off x="5299218" y="2989219"/>
-            <a:ext cx="0" cy="669429"/>
+          <a:xfrm flipH="1" flipV="1">
+            <a:off x="5323235" y="3510902"/>
+            <a:ext cx="15945" cy="855020"/>
           </a:xfrm>
           <a:prstGeom prst="line">
             <a:avLst/>
@@ -6979,8 +7115,8 @@
         </p:nvSpPr>
         <p:spPr>
           <a:xfrm>
-            <a:off x="6966903" y="5417179"/>
-            <a:ext cx="436338" cy="307777"/>
+            <a:off x="6923302" y="4427477"/>
+            <a:ext cx="434734" cy="307777"/>
           </a:xfrm>
           <a:prstGeom prst="rect">
             <a:avLst/>
@@ -6995,205 +7131,11 @@
           <a:p>
             <a:r>
               <a:rPr lang="en-US" sz="1400" dirty="0"/>
-              <a:t>0/1</a:t>
-            </a:r>
-          </a:p>
-        </p:txBody>
-      </p:sp>
-      <p:sp>
-        <p:nvSpPr>
-          <p:cNvPr id="24" name="TextBox 23">
-            <a:extLst>
-              <a:ext uri="{FF2B5EF4-FFF2-40B4-BE49-F238E27FC236}">
-                <a16:creationId xmlns:a16="http://schemas.microsoft.com/office/drawing/2014/main" id="{D179F9FD-E6DE-7702-1727-361A83971EBB}"/>
-              </a:ext>
-            </a:extLst>
-          </p:cNvPr>
-          <p:cNvSpPr txBox="1"/>
-          <p:nvPr/>
-        </p:nvSpPr>
-        <p:spPr>
-          <a:xfrm>
-            <a:off x="5300450" y="4957863"/>
-            <a:ext cx="274434" cy="307777"/>
-          </a:xfrm>
-          <a:prstGeom prst="rect">
-            <a:avLst/>
-          </a:prstGeom>
-          <a:noFill/>
-        </p:spPr>
-        <p:txBody>
-          <a:bodyPr wrap="none" rtlCol="0">
-            <a:spAutoFit/>
-          </a:bodyPr>
-          <a:lstStyle/>
-          <a:p>
-            <a:r>
-              <a:rPr lang="en-US" sz="1400" dirty="0"/>
-              <a:t>*</a:t>
-            </a:r>
-          </a:p>
-        </p:txBody>
-      </p:sp>
-      <p:sp>
-        <p:nvSpPr>
-          <p:cNvPr id="25" name="Rectangle 24">
-            <a:extLst>
-              <a:ext uri="{FF2B5EF4-FFF2-40B4-BE49-F238E27FC236}">
-                <a16:creationId xmlns:a16="http://schemas.microsoft.com/office/drawing/2014/main" id="{91299C9D-99A9-5AEE-A82E-B9C13AF359D3}"/>
-              </a:ext>
-            </a:extLst>
-          </p:cNvPr>
-          <p:cNvSpPr/>
-          <p:nvPr/>
-        </p:nvSpPr>
-        <p:spPr>
-          <a:xfrm>
-            <a:off x="4225856" y="5261676"/>
-            <a:ext cx="2159828" cy="914400"/>
-          </a:xfrm>
-          <a:prstGeom prst="rect">
-            <a:avLst/>
-          </a:prstGeom>
-        </p:spPr>
-        <p:style>
-          <a:lnRef idx="2">
-            <a:schemeClr val="dk1"/>
-          </a:lnRef>
-          <a:fillRef idx="1">
-            <a:schemeClr val="lt1"/>
-          </a:fillRef>
-          <a:effectRef idx="0">
-            <a:schemeClr val="dk1"/>
-          </a:effectRef>
-          <a:fontRef idx="minor">
-            <a:schemeClr val="dk1"/>
-          </a:fontRef>
-        </p:style>
-        <p:txBody>
-          <a:bodyPr rot="0" spcFirstLastPara="0" vertOverflow="overflow" horzOverflow="overflow" vert="horz" wrap="square" lIns="91440" tIns="45720" rIns="91440" bIns="45720" numCol="1" spcCol="0" rtlCol="0" fromWordArt="0" anchor="ctr" anchorCtr="0" forceAA="0" compatLnSpc="1">
-            <a:prstTxWarp prst="textNoShape">
-              <a:avLst/>
-            </a:prstTxWarp>
-            <a:noAutofit/>
-          </a:bodyPr>
-          <a:lstStyle/>
-          <a:p>
-            <a:pPr algn="ctr"/>
-            <a:endParaRPr lang="en-US"/>
-          </a:p>
-        </p:txBody>
-      </p:sp>
-      <p:cxnSp>
-        <p:nvCxnSpPr>
-          <p:cNvPr id="27" name="Straight Connector 26">
-            <a:extLst>
-              <a:ext uri="{FF2B5EF4-FFF2-40B4-BE49-F238E27FC236}">
-                <a16:creationId xmlns:a16="http://schemas.microsoft.com/office/drawing/2014/main" id="{F05C170F-9005-5E7E-E22B-0B926B22F696}"/>
-              </a:ext>
-            </a:extLst>
-          </p:cNvPr>
-          <p:cNvCxnSpPr>
-            <a:stCxn id="25" idx="1"/>
-            <a:endCxn id="25" idx="3"/>
-          </p:cNvCxnSpPr>
-          <p:nvPr/>
-        </p:nvCxnSpPr>
-        <p:spPr>
-          <a:xfrm>
-            <a:off x="4225856" y="5718876"/>
-            <a:ext cx="2159828" cy="0"/>
-          </a:xfrm>
-          <a:prstGeom prst="line">
-            <a:avLst/>
-          </a:prstGeom>
-        </p:spPr>
-        <p:style>
-          <a:lnRef idx="2">
-            <a:schemeClr val="dk1"/>
-          </a:lnRef>
-          <a:fillRef idx="1">
-            <a:schemeClr val="lt1"/>
-          </a:fillRef>
-          <a:effectRef idx="0">
-            <a:schemeClr val="dk1"/>
-          </a:effectRef>
-          <a:fontRef idx="minor">
-            <a:schemeClr val="dk1"/>
-          </a:fontRef>
-        </p:style>
-      </p:cxnSp>
-      <p:sp>
-        <p:nvSpPr>
-          <p:cNvPr id="28" name="TextBox 27">
-            <a:extLst>
-              <a:ext uri="{FF2B5EF4-FFF2-40B4-BE49-F238E27FC236}">
-                <a16:creationId xmlns:a16="http://schemas.microsoft.com/office/drawing/2014/main" id="{C3175937-B708-093E-F585-060781FD1E27}"/>
-              </a:ext>
-            </a:extLst>
-          </p:cNvPr>
-          <p:cNvSpPr txBox="1"/>
-          <p:nvPr/>
-        </p:nvSpPr>
-        <p:spPr>
-          <a:xfrm>
-            <a:off x="4939292" y="5299245"/>
-            <a:ext cx="673582" cy="369332"/>
-          </a:xfrm>
-          <a:prstGeom prst="rect">
-            <a:avLst/>
-          </a:prstGeom>
-          <a:noFill/>
-        </p:spPr>
-        <p:txBody>
-          <a:bodyPr wrap="none" rtlCol="0">
-            <a:spAutoFit/>
-          </a:bodyPr>
-          <a:lstStyle/>
-          <a:p>
-            <a:r>
-              <a:rPr lang="en-US" dirty="0"/>
-              <a:t>Chair</a:t>
-            </a:r>
-          </a:p>
-        </p:txBody>
-      </p:sp>
-      <p:cxnSp>
-        <p:nvCxnSpPr>
-          <p:cNvPr id="30" name="Straight Connector 29">
-            <a:extLst>
-              <a:ext uri="{FF2B5EF4-FFF2-40B4-BE49-F238E27FC236}">
-                <a16:creationId xmlns:a16="http://schemas.microsoft.com/office/drawing/2014/main" id="{68A19CFD-373B-322D-F06E-4F1C836DDA97}"/>
-              </a:ext>
-            </a:extLst>
-          </p:cNvPr>
-          <p:cNvCxnSpPr/>
-          <p:nvPr/>
-        </p:nvCxnSpPr>
-        <p:spPr>
-          <a:xfrm flipV="1">
-            <a:off x="5299218" y="4623148"/>
-            <a:ext cx="0" cy="669429"/>
-          </a:xfrm>
-          <a:prstGeom prst="line">
-            <a:avLst/>
-          </a:prstGeom>
-        </p:spPr>
-        <p:style>
-          <a:lnRef idx="2">
-            <a:schemeClr val="dk1"/>
-          </a:lnRef>
-          <a:fillRef idx="1">
-            <a:schemeClr val="lt1"/>
-          </a:fillRef>
-          <a:effectRef idx="0">
-            <a:schemeClr val="dk1"/>
-          </a:effectRef>
-          <a:fontRef idx="minor">
-            <a:schemeClr val="dk1"/>
-          </a:fontRef>
-        </p:style>
-      </p:cxnSp>
+              <a:t>0/*</a:t>
+            </a:r>
+          </a:p>
+        </p:txBody>
+      </p:sp>
       <p:sp>
         <p:nvSpPr>
           <p:cNvPr id="34" name="Rectangle 33">
@@ -7208,7 +7150,7 @@
         </p:nvSpPr>
         <p:spPr>
           <a:xfrm>
-            <a:off x="1114404" y="5253767"/>
+            <a:off x="1070803" y="4264065"/>
             <a:ext cx="2159828" cy="1385572"/>
           </a:xfrm>
           <a:prstGeom prst="rect">
@@ -7259,7 +7201,7 @@
         </p:nvCxnSpPr>
         <p:spPr>
           <a:xfrm>
-            <a:off x="1114404" y="5817314"/>
+            <a:off x="1070803" y="4827612"/>
             <a:ext cx="2159828" cy="0"/>
           </a:xfrm>
           <a:prstGeom prst="line">
@@ -7295,8 +7237,8 @@
         </p:nvSpPr>
         <p:spPr>
           <a:xfrm>
-            <a:off x="1370515" y="5438547"/>
-            <a:ext cx="1250535" cy="369332"/>
+            <a:off x="1326914" y="4448845"/>
+            <a:ext cx="1256562" cy="369332"/>
           </a:xfrm>
           <a:prstGeom prst="rect">
             <a:avLst/>
@@ -7311,7 +7253,7 @@
           <a:p>
             <a:r>
               <a:rPr lang="en-US" dirty="0" err="1"/>
-              <a:t>ChairStatus</a:t>
+              <a:t>TableStatus</a:t>
             </a:r>
             <a:endParaRPr lang="en-US" dirty="0"/>
           </a:p>
@@ -7331,7 +7273,7 @@
         </p:nvSpPr>
         <p:spPr>
           <a:xfrm>
-            <a:off x="1801421" y="5207033"/>
+            <a:off x="1757820" y="4217331"/>
             <a:ext cx="785793" cy="307777"/>
           </a:xfrm>
           <a:prstGeom prst="rect">
@@ -7374,7 +7316,7 @@
         </p:nvSpPr>
         <p:spPr>
           <a:xfrm>
-            <a:off x="1761347" y="5858995"/>
+            <a:off x="1717746" y="4869293"/>
             <a:ext cx="1218988" cy="738664"/>
           </a:xfrm>
           <a:prstGeom prst="rect">
@@ -7422,9 +7364,9 @@
           <p:nvPr/>
         </p:nvCxnSpPr>
         <p:spPr>
-          <a:xfrm flipV="1">
-            <a:off x="3274232" y="5571067"/>
-            <a:ext cx="951624" cy="52146"/>
+          <a:xfrm>
+            <a:off x="3230631" y="4633511"/>
+            <a:ext cx="1055308" cy="0"/>
           </a:xfrm>
           <a:prstGeom prst="line">
             <a:avLst/>
@@ -7445,6 +7387,114 @@
           </a:fontRef>
         </p:style>
       </p:cxnSp>
+      <p:sp>
+        <p:nvSpPr>
+          <p:cNvPr id="43" name="TextBox 42">
+            <a:extLst>
+              <a:ext uri="{FF2B5EF4-FFF2-40B4-BE49-F238E27FC236}">
+                <a16:creationId xmlns:a16="http://schemas.microsoft.com/office/drawing/2014/main" id="{4FE34F52-D40C-118B-FBFE-5F4D1D46D8FD}"/>
+              </a:ext>
+            </a:extLst>
+          </p:cNvPr>
+          <p:cNvSpPr txBox="1"/>
+          <p:nvPr/>
+        </p:nvSpPr>
+        <p:spPr>
+          <a:xfrm>
+            <a:off x="4273363" y="3028704"/>
+            <a:ext cx="1574534" cy="307777"/>
+          </a:xfrm>
+          <a:prstGeom prst="rect">
+            <a:avLst/>
+          </a:prstGeom>
+          <a:noFill/>
+        </p:spPr>
+        <p:txBody>
+          <a:bodyPr wrap="square" rtlCol="0">
+            <a:spAutoFit/>
+          </a:bodyPr>
+          <a:lstStyle/>
+          <a:p>
+            <a:r>
+              <a:rPr lang="en-US" sz="1400" dirty="0"/>
+              <a:t> findFreeTable()</a:t>
+            </a:r>
+          </a:p>
+        </p:txBody>
+      </p:sp>
+      <p:cxnSp>
+        <p:nvCxnSpPr>
+          <p:cNvPr id="46" name="Straight Connector 45">
+            <a:extLst>
+              <a:ext uri="{FF2B5EF4-FFF2-40B4-BE49-F238E27FC236}">
+                <a16:creationId xmlns:a16="http://schemas.microsoft.com/office/drawing/2014/main" id="{B5EDA393-337B-CDE6-2F09-690D1A55075A}"/>
+              </a:ext>
+            </a:extLst>
+          </p:cNvPr>
+          <p:cNvCxnSpPr>
+            <a:cxnSpLocks/>
+          </p:cNvCxnSpPr>
+          <p:nvPr/>
+        </p:nvCxnSpPr>
+        <p:spPr>
+          <a:xfrm>
+            <a:off x="4273363" y="2969596"/>
+            <a:ext cx="2159828" cy="0"/>
+          </a:xfrm>
+          <a:prstGeom prst="line">
+            <a:avLst/>
+          </a:prstGeom>
+        </p:spPr>
+        <p:style>
+          <a:lnRef idx="2">
+            <a:schemeClr val="dk1"/>
+          </a:lnRef>
+          <a:fillRef idx="1">
+            <a:schemeClr val="lt1"/>
+          </a:fillRef>
+          <a:effectRef idx="0">
+            <a:schemeClr val="dk1"/>
+          </a:effectRef>
+          <a:fontRef idx="minor">
+            <a:schemeClr val="dk1"/>
+          </a:fontRef>
+        </p:style>
+      </p:cxnSp>
+      <p:sp>
+        <p:nvSpPr>
+          <p:cNvPr id="47" name="TextBox 46">
+            <a:extLst>
+              <a:ext uri="{FF2B5EF4-FFF2-40B4-BE49-F238E27FC236}">
+                <a16:creationId xmlns:a16="http://schemas.microsoft.com/office/drawing/2014/main" id="{93E105A9-0129-366B-62B0-6E1895BA9301}"/>
+              </a:ext>
+            </a:extLst>
+          </p:cNvPr>
+          <p:cNvSpPr txBox="1"/>
+          <p:nvPr/>
+        </p:nvSpPr>
+        <p:spPr>
+          <a:xfrm>
+            <a:off x="4241921" y="910300"/>
+            <a:ext cx="1574534" cy="307777"/>
+          </a:xfrm>
+          <a:prstGeom prst="rect">
+            <a:avLst/>
+          </a:prstGeom>
+          <a:noFill/>
+        </p:spPr>
+        <p:txBody>
+          <a:bodyPr wrap="square" rtlCol="0">
+            <a:spAutoFit/>
+          </a:bodyPr>
+          <a:lstStyle/>
+          <a:p>
+            <a:r>
+              <a:rPr lang="en-US" sz="1400" dirty="0"/>
+              <a:t>findFreeRoom()</a:t>
+            </a:r>
+          </a:p>
+        </p:txBody>
+      </p:sp>
     </p:spTree>
     <p:extLst>
       <p:ext uri="{BB962C8B-B14F-4D97-AF65-F5344CB8AC3E}">
@@ -7619,8 +7669,8 @@
         </p:nvSpPr>
         <p:spPr>
           <a:xfrm>
-            <a:off x="1893076" y="2921057"/>
-            <a:ext cx="2159828" cy="2346681"/>
+            <a:off x="1407594" y="2921057"/>
+            <a:ext cx="2645310" cy="2346681"/>
           </a:xfrm>
           <a:prstGeom prst="rect">
             <a:avLst/>
@@ -7657,13 +7707,15 @@
       <p:cxnSp>
         <p:nvCxnSpPr>
           <p:cNvPr id="31" name="Straight Connector 30"/>
-          <p:cNvCxnSpPr/>
+          <p:cNvCxnSpPr>
+            <a:cxnSpLocks/>
+          </p:cNvCxnSpPr>
           <p:nvPr/>
         </p:nvCxnSpPr>
         <p:spPr>
-          <a:xfrm>
-            <a:off x="1893076" y="3633728"/>
-            <a:ext cx="2159828" cy="0"/>
+          <a:xfrm flipV="1">
+            <a:off x="1407594" y="3633728"/>
+            <a:ext cx="2645310" cy="26317"/>
           </a:xfrm>
           <a:prstGeom prst="line">
             <a:avLst/>
@@ -7692,7 +7744,7 @@
         </p:nvSpPr>
         <p:spPr>
           <a:xfrm>
-            <a:off x="2690240" y="3271138"/>
+            <a:off x="2414623" y="3244334"/>
             <a:ext cx="616579" cy="369332"/>
           </a:xfrm>
           <a:prstGeom prst="rect">
@@ -7760,8 +7812,8 @@
         </p:nvSpPr>
         <p:spPr>
           <a:xfrm>
-            <a:off x="2138695" y="3790410"/>
-            <a:ext cx="1676421" cy="1477328"/>
+            <a:off x="1659505" y="3776939"/>
+            <a:ext cx="1575368" cy="1477328"/>
           </a:xfrm>
           <a:prstGeom prst="rect">
             <a:avLst/>
@@ -7788,7 +7840,7 @@
           <a:p>
             <a:r>
               <a:rPr lang="en-US" i="1" dirty="0"/>
-              <a:t>Category: string</a:t>
+              <a:t>item: itemType</a:t>
             </a:r>
           </a:p>
           <a:p>
@@ -8340,7 +8392,7 @@
         </p:nvSpPr>
         <p:spPr>
           <a:xfrm>
-            <a:off x="2566824" y="2936532"/>
+            <a:off x="2294038" y="2921057"/>
             <a:ext cx="940835" cy="369332"/>
           </a:xfrm>
           <a:prstGeom prst="rect">
@@ -8375,8 +8427,8 @@
         </p:nvSpPr>
         <p:spPr>
           <a:xfrm>
-            <a:off x="9214816" y="4102733"/>
-            <a:ext cx="2159828" cy="1867257"/>
+            <a:off x="9214816" y="3141081"/>
+            <a:ext cx="2159828" cy="2828910"/>
           </a:xfrm>
           <a:prstGeom prst="rect">
             <a:avLst/>
@@ -8426,7 +8478,7 @@
         </p:nvCxnSpPr>
         <p:spPr>
           <a:xfrm>
-            <a:off x="9214816" y="4676941"/>
+            <a:off x="9214815" y="3784515"/>
             <a:ext cx="2159828" cy="0"/>
           </a:xfrm>
           <a:prstGeom prst="line">
@@ -8462,8 +8514,8 @@
         </p:nvSpPr>
         <p:spPr>
           <a:xfrm>
-            <a:off x="9457480" y="4287399"/>
-            <a:ext cx="1522917" cy="369332"/>
+            <a:off x="9533271" y="3355013"/>
+            <a:ext cx="1059777" cy="369332"/>
           </a:xfrm>
           <a:prstGeom prst="rect">
             <a:avLst/>
@@ -8477,12 +8529,8 @@
           <a:lstStyle/>
           <a:p>
             <a:r>
-              <a:rPr lang="en-US" dirty="0"/>
-              <a:t>D</a:t>
-            </a:r>
-            <a:r>
               <a:rPr lang="en-US" sz="1800" dirty="0"/>
-              <a:t>rinkCategory</a:t>
+              <a:t>ItemType</a:t>
             </a:r>
           </a:p>
         </p:txBody>
@@ -8501,7 +8549,7 @@
         </p:nvSpPr>
         <p:spPr>
           <a:xfrm>
-            <a:off x="9457480" y="4127617"/>
+            <a:off x="9945916" y="3169234"/>
             <a:ext cx="697627" cy="276999"/>
           </a:xfrm>
           <a:prstGeom prst="rect">
@@ -8536,8 +8584,8 @@
         </p:nvSpPr>
         <p:spPr>
           <a:xfrm>
-            <a:off x="9457480" y="4693197"/>
-            <a:ext cx="1016625" cy="1169551"/>
+            <a:off x="9786416" y="3954195"/>
+            <a:ext cx="1186543" cy="1200329"/>
           </a:xfrm>
           <a:prstGeom prst="rect">
             <a:avLst/>
@@ -8551,32 +8599,14 @@
           <a:lstStyle/>
           <a:p>
             <a:r>
-              <a:rPr lang="en-US" sz="1400" dirty="0"/>
-              <a:t>SOFTDRINK</a:t>
-            </a:r>
-          </a:p>
-          <a:p>
-            <a:r>
-              <a:rPr lang="en-US" sz="1400" dirty="0"/>
-              <a:t>BEER</a:t>
-            </a:r>
-          </a:p>
-          <a:p>
-            <a:r>
-              <a:rPr lang="en-US" sz="1400" dirty="0"/>
-              <a:t>WATER</a:t>
-            </a:r>
-          </a:p>
-          <a:p>
-            <a:r>
-              <a:rPr lang="en-US" sz="1400" dirty="0"/>
-              <a:t>COFFEE</a:t>
-            </a:r>
-          </a:p>
-          <a:p>
-            <a:r>
-              <a:rPr lang="en-US" sz="1400" dirty="0"/>
-              <a:t>TEA</a:t>
+              <a:rPr lang="en-US" sz="3600" dirty="0"/>
+              <a:t>Food</a:t>
+            </a:r>
+          </a:p>
+          <a:p>
+            <a:r>
+              <a:rPr lang="en-US" sz="3600" dirty="0"/>
+              <a:t>Drink</a:t>
             </a:r>
           </a:p>
         </p:txBody>
@@ -8612,41 +8642,6 @@
             <a:r>
               <a:rPr lang="en-US" dirty="0"/>
               <a:t>1</a:t>
-            </a:r>
-          </a:p>
-        </p:txBody>
-      </p:sp>
-      <p:sp>
-        <p:nvSpPr>
-          <p:cNvPr id="38" name="TextBox 37">
-            <a:extLst>
-              <a:ext uri="{FF2B5EF4-FFF2-40B4-BE49-F238E27FC236}">
-                <a16:creationId xmlns:a16="http://schemas.microsoft.com/office/drawing/2014/main" id="{EC98DA24-B180-12AF-F2AC-4DED799B3170}"/>
-              </a:ext>
-            </a:extLst>
-          </p:cNvPr>
-          <p:cNvSpPr txBox="1"/>
-          <p:nvPr/>
-        </p:nvSpPr>
-        <p:spPr>
-          <a:xfrm>
-            <a:off x="7882812" y="4927058"/>
-            <a:ext cx="990977" cy="261610"/>
-          </a:xfrm>
-          <a:prstGeom prst="rect">
-            <a:avLst/>
-          </a:prstGeom>
-          <a:noFill/>
-        </p:spPr>
-        <p:txBody>
-          <a:bodyPr wrap="none" rtlCol="0">
-            <a:spAutoFit/>
-          </a:bodyPr>
-          <a:lstStyle/>
-          <a:p>
-            <a:r>
-              <a:rPr lang="en-US" sz="1100" dirty="0"/>
-              <a:t>drinkCategory</a:t>
             </a:r>
           </a:p>
         </p:txBody>
@@ -8689,280 +8684,6 @@
           </a:fontRef>
         </p:style>
       </p:cxnSp>
-      <p:sp>
-        <p:nvSpPr>
-          <p:cNvPr id="39" name="Rectangle 38">
-            <a:extLst>
-              <a:ext uri="{FF2B5EF4-FFF2-40B4-BE49-F238E27FC236}">
-                <a16:creationId xmlns:a16="http://schemas.microsoft.com/office/drawing/2014/main" id="{3EB04119-EF28-82C9-09BC-C1A2C1D5632D}"/>
-              </a:ext>
-            </a:extLst>
-          </p:cNvPr>
-          <p:cNvSpPr/>
-          <p:nvPr/>
-        </p:nvSpPr>
-        <p:spPr>
-          <a:xfrm>
-            <a:off x="9227018" y="2623471"/>
-            <a:ext cx="2159828" cy="1364786"/>
-          </a:xfrm>
-          <a:prstGeom prst="rect">
-            <a:avLst/>
-          </a:prstGeom>
-        </p:spPr>
-        <p:style>
-          <a:lnRef idx="2">
-            <a:schemeClr val="dk1"/>
-          </a:lnRef>
-          <a:fillRef idx="1">
-            <a:schemeClr val="lt1"/>
-          </a:fillRef>
-          <a:effectRef idx="0">
-            <a:schemeClr val="dk1"/>
-          </a:effectRef>
-          <a:fontRef idx="minor">
-            <a:schemeClr val="dk1"/>
-          </a:fontRef>
-        </p:style>
-        <p:txBody>
-          <a:bodyPr rot="0" spcFirstLastPara="0" vertOverflow="overflow" horzOverflow="overflow" vert="horz" wrap="square" lIns="91440" tIns="45720" rIns="91440" bIns="45720" numCol="1" spcCol="0" rtlCol="0" fromWordArt="0" anchor="ctr" anchorCtr="0" forceAA="0" compatLnSpc="1">
-            <a:prstTxWarp prst="textNoShape">
-              <a:avLst/>
-            </a:prstTxWarp>
-            <a:noAutofit/>
-          </a:bodyPr>
-          <a:lstStyle/>
-          <a:p>
-            <a:pPr algn="ctr"/>
-            <a:endParaRPr lang="en-US" dirty="0"/>
-          </a:p>
-        </p:txBody>
-      </p:sp>
-      <p:cxnSp>
-        <p:nvCxnSpPr>
-          <p:cNvPr id="40" name="Straight Connector 39">
-            <a:extLst>
-              <a:ext uri="{FF2B5EF4-FFF2-40B4-BE49-F238E27FC236}">
-                <a16:creationId xmlns:a16="http://schemas.microsoft.com/office/drawing/2014/main" id="{048F69DB-7AE8-376B-DB85-8979A048EEE2}"/>
-              </a:ext>
-            </a:extLst>
-          </p:cNvPr>
-          <p:cNvCxnSpPr>
-            <a:cxnSpLocks/>
-          </p:cNvCxnSpPr>
-          <p:nvPr/>
-        </p:nvCxnSpPr>
-        <p:spPr>
-          <a:xfrm>
-            <a:off x="9227018" y="3197678"/>
-            <a:ext cx="2159828" cy="0"/>
-          </a:xfrm>
-          <a:prstGeom prst="line">
-            <a:avLst/>
-          </a:prstGeom>
-        </p:spPr>
-        <p:style>
-          <a:lnRef idx="2">
-            <a:schemeClr val="dk1"/>
-          </a:lnRef>
-          <a:fillRef idx="1">
-            <a:schemeClr val="lt1"/>
-          </a:fillRef>
-          <a:effectRef idx="0">
-            <a:schemeClr val="dk1"/>
-          </a:effectRef>
-          <a:fontRef idx="minor">
-            <a:schemeClr val="dk1"/>
-          </a:fontRef>
-        </p:style>
-      </p:cxnSp>
-      <p:sp>
-        <p:nvSpPr>
-          <p:cNvPr id="42" name="TextBox 41">
-            <a:extLst>
-              <a:ext uri="{FF2B5EF4-FFF2-40B4-BE49-F238E27FC236}">
-                <a16:creationId xmlns:a16="http://schemas.microsoft.com/office/drawing/2014/main" id="{467A8F17-96F8-E198-B3C1-4B8216D12210}"/>
-              </a:ext>
-            </a:extLst>
-          </p:cNvPr>
-          <p:cNvSpPr txBox="1"/>
-          <p:nvPr/>
-        </p:nvSpPr>
-        <p:spPr>
-          <a:xfrm>
-            <a:off x="9469682" y="2808136"/>
-            <a:ext cx="1489318" cy="369332"/>
-          </a:xfrm>
-          <a:prstGeom prst="rect">
-            <a:avLst/>
-          </a:prstGeom>
-          <a:noFill/>
-        </p:spPr>
-        <p:txBody>
-          <a:bodyPr wrap="none" rtlCol="0">
-            <a:spAutoFit/>
-          </a:bodyPr>
-          <a:lstStyle/>
-          <a:p>
-            <a:r>
-              <a:rPr lang="en-US" sz="1800" dirty="0"/>
-              <a:t>FoodCategory</a:t>
-            </a:r>
-          </a:p>
-        </p:txBody>
-      </p:sp>
-      <p:sp>
-        <p:nvSpPr>
-          <p:cNvPr id="43" name="TextBox 42">
-            <a:extLst>
-              <a:ext uri="{FF2B5EF4-FFF2-40B4-BE49-F238E27FC236}">
-                <a16:creationId xmlns:a16="http://schemas.microsoft.com/office/drawing/2014/main" id="{6765DF5C-82A2-7149-9003-D7C5DCB64076}"/>
-              </a:ext>
-            </a:extLst>
-          </p:cNvPr>
-          <p:cNvSpPr txBox="1"/>
-          <p:nvPr/>
-        </p:nvSpPr>
-        <p:spPr>
-          <a:xfrm>
-            <a:off x="9469682" y="2648354"/>
-            <a:ext cx="697627" cy="276999"/>
-          </a:xfrm>
-          <a:prstGeom prst="rect">
-            <a:avLst/>
-          </a:prstGeom>
-          <a:noFill/>
-        </p:spPr>
-        <p:txBody>
-          <a:bodyPr wrap="none" rtlCol="0">
-            <a:spAutoFit/>
-          </a:bodyPr>
-          <a:lstStyle/>
-          <a:p>
-            <a:r>
-              <a:rPr lang="en-US" sz="1200" dirty="0"/>
-              <a:t>&lt;Enum&gt;</a:t>
-            </a:r>
-          </a:p>
-        </p:txBody>
-      </p:sp>
-      <p:sp>
-        <p:nvSpPr>
-          <p:cNvPr id="44" name="TextBox 43">
-            <a:extLst>
-              <a:ext uri="{FF2B5EF4-FFF2-40B4-BE49-F238E27FC236}">
-                <a16:creationId xmlns:a16="http://schemas.microsoft.com/office/drawing/2014/main" id="{ED8BDA5B-D10B-59BF-776D-AD29AC0EBF41}"/>
-              </a:ext>
-            </a:extLst>
-          </p:cNvPr>
-          <p:cNvSpPr txBox="1"/>
-          <p:nvPr/>
-        </p:nvSpPr>
-        <p:spPr>
-          <a:xfrm>
-            <a:off x="9469682" y="3213934"/>
-            <a:ext cx="988860" cy="738664"/>
-          </a:xfrm>
-          <a:prstGeom prst="rect">
-            <a:avLst/>
-          </a:prstGeom>
-          <a:noFill/>
-        </p:spPr>
-        <p:txBody>
-          <a:bodyPr wrap="none" rtlCol="0">
-            <a:spAutoFit/>
-          </a:bodyPr>
-          <a:lstStyle/>
-          <a:p>
-            <a:r>
-              <a:rPr lang="en-US" sz="1400" dirty="0"/>
-              <a:t>SPAGHETTI</a:t>
-            </a:r>
-          </a:p>
-          <a:p>
-            <a:r>
-              <a:rPr lang="en-US" sz="1400" dirty="0"/>
-              <a:t>BURGER</a:t>
-            </a:r>
-          </a:p>
-          <a:p>
-            <a:r>
-              <a:rPr lang="en-US" sz="1400" dirty="0"/>
-              <a:t>WANWICH</a:t>
-            </a:r>
-          </a:p>
-        </p:txBody>
-      </p:sp>
-      <p:sp>
-        <p:nvSpPr>
-          <p:cNvPr id="45" name="TextBox 44">
-            <a:extLst>
-              <a:ext uri="{FF2B5EF4-FFF2-40B4-BE49-F238E27FC236}">
-                <a16:creationId xmlns:a16="http://schemas.microsoft.com/office/drawing/2014/main" id="{1F16D5CC-4F6A-9916-5B1D-EA8EB10FEADA}"/>
-              </a:ext>
-            </a:extLst>
-          </p:cNvPr>
-          <p:cNvSpPr txBox="1"/>
-          <p:nvPr/>
-        </p:nvSpPr>
-        <p:spPr>
-          <a:xfrm>
-            <a:off x="8873789" y="3106309"/>
-            <a:ext cx="301686" cy="369332"/>
-          </a:xfrm>
-          <a:prstGeom prst="rect">
-            <a:avLst/>
-          </a:prstGeom>
-          <a:noFill/>
-        </p:spPr>
-        <p:txBody>
-          <a:bodyPr wrap="none" rtlCol="0">
-            <a:spAutoFit/>
-          </a:bodyPr>
-          <a:lstStyle/>
-          <a:p>
-            <a:r>
-              <a:rPr lang="en-US" dirty="0"/>
-              <a:t>1</a:t>
-            </a:r>
-          </a:p>
-        </p:txBody>
-      </p:sp>
-      <p:sp>
-        <p:nvSpPr>
-          <p:cNvPr id="47" name="TextBox 46">
-            <a:extLst>
-              <a:ext uri="{FF2B5EF4-FFF2-40B4-BE49-F238E27FC236}">
-                <a16:creationId xmlns:a16="http://schemas.microsoft.com/office/drawing/2014/main" id="{E7D16597-3034-8120-BBAA-6C3207ECB750}"/>
-              </a:ext>
-            </a:extLst>
-          </p:cNvPr>
-          <p:cNvSpPr txBox="1"/>
-          <p:nvPr/>
-        </p:nvSpPr>
-        <p:spPr>
-          <a:xfrm>
-            <a:off x="7931219" y="3141046"/>
-            <a:ext cx="962123" cy="261610"/>
-          </a:xfrm>
-          <a:prstGeom prst="rect">
-            <a:avLst/>
-          </a:prstGeom>
-          <a:noFill/>
-        </p:spPr>
-        <p:txBody>
-          <a:bodyPr wrap="none" rtlCol="0">
-            <a:spAutoFit/>
-          </a:bodyPr>
-          <a:lstStyle/>
-          <a:p>
-            <a:r>
-              <a:rPr lang="en-US" sz="1100" dirty="0"/>
-              <a:t>foodCategory</a:t>
-            </a:r>
-          </a:p>
-        </p:txBody>
-      </p:sp>
       <p:cxnSp>
         <p:nvCxnSpPr>
           <p:cNvPr id="48" name="Straight Connector 47">
@@ -9001,6 +8722,41 @@
           </a:fontRef>
         </p:style>
       </p:cxnSp>
+      <p:sp>
+        <p:nvSpPr>
+          <p:cNvPr id="49" name="TextBox 48">
+            <a:extLst>
+              <a:ext uri="{FF2B5EF4-FFF2-40B4-BE49-F238E27FC236}">
+                <a16:creationId xmlns:a16="http://schemas.microsoft.com/office/drawing/2014/main" id="{00FCEB21-726B-5AA4-FC06-8505C904606C}"/>
+              </a:ext>
+            </a:extLst>
+          </p:cNvPr>
+          <p:cNvSpPr txBox="1"/>
+          <p:nvPr/>
+        </p:nvSpPr>
+        <p:spPr>
+          <a:xfrm>
+            <a:off x="8825382" y="3532986"/>
+            <a:ext cx="301686" cy="369332"/>
+          </a:xfrm>
+          <a:prstGeom prst="rect">
+            <a:avLst/>
+          </a:prstGeom>
+          <a:noFill/>
+        </p:spPr>
+        <p:txBody>
+          <a:bodyPr wrap="none" rtlCol="0">
+            <a:spAutoFit/>
+          </a:bodyPr>
+          <a:lstStyle/>
+          <a:p>
+            <a:r>
+              <a:rPr lang="en-US" dirty="0"/>
+              <a:t>1</a:t>
+            </a:r>
+          </a:p>
+        </p:txBody>
+      </p:sp>
     </p:spTree>
     <p:extLst>
       <p:ext uri="{BB962C8B-B14F-4D97-AF65-F5344CB8AC3E}">
@@ -9039,8 +8795,8 @@
         </p:nvSpPr>
         <p:spPr>
           <a:xfrm>
-            <a:off x="4821807" y="1173845"/>
-            <a:ext cx="2159828" cy="1167825"/>
+            <a:off x="4351809" y="346235"/>
+            <a:ext cx="2534323" cy="1816649"/>
           </a:xfrm>
           <a:prstGeom prst="rect">
             <a:avLst/>
@@ -9077,13 +8833,15 @@
       <p:cxnSp>
         <p:nvCxnSpPr>
           <p:cNvPr id="3" name="Straight Connector 2"/>
-          <p:cNvCxnSpPr/>
+          <p:cNvCxnSpPr>
+            <a:cxnSpLocks/>
+          </p:cNvCxnSpPr>
           <p:nvPr/>
         </p:nvCxnSpPr>
         <p:spPr>
-          <a:xfrm>
-            <a:off x="4821807" y="1666492"/>
-            <a:ext cx="2159828" cy="0"/>
+          <a:xfrm flipV="1">
+            <a:off x="4351809" y="896836"/>
+            <a:ext cx="2534323" cy="14255"/>
           </a:xfrm>
           <a:prstGeom prst="line">
             <a:avLst/>
@@ -9112,7 +8870,7 @@
         </p:nvSpPr>
         <p:spPr>
           <a:xfrm>
-            <a:off x="5166190" y="1312252"/>
+            <a:off x="4821807" y="541759"/>
             <a:ext cx="1596399" cy="369332"/>
           </a:xfrm>
           <a:prstGeom prst="rect">
@@ -9127,7 +8885,7 @@
           <a:lstStyle/>
           <a:p>
             <a:r>
-              <a:rPr lang="en-US" b="1" dirty="0" err="1">
+              <a:rPr lang="en-US" b="1" dirty="0">
                 <a:solidFill>
                   <a:srgbClr val="0070C0"/>
                 </a:solidFill>
@@ -9376,9 +9134,9 @@
           <p:nvPr/>
         </p:nvCxnSpPr>
         <p:spPr>
-          <a:xfrm>
-            <a:off x="5818377" y="2341670"/>
-            <a:ext cx="0" cy="855882"/>
+          <a:xfrm flipH="1">
+            <a:off x="5818377" y="2162884"/>
+            <a:ext cx="10379" cy="1034668"/>
           </a:xfrm>
           <a:prstGeom prst="line">
             <a:avLst/>
@@ -9413,7 +9171,7 @@
         </p:nvSpPr>
         <p:spPr>
           <a:xfrm>
-            <a:off x="5067426" y="1681584"/>
+            <a:off x="4417943" y="921949"/>
             <a:ext cx="1448795" cy="369332"/>
           </a:xfrm>
           <a:prstGeom prst="rect">
@@ -9430,6 +9188,558 @@
             <a:r>
               <a:rPr lang="en-US" dirty="0"/>
               <a:t>orders: Order</a:t>
+            </a:r>
+          </a:p>
+        </p:txBody>
+      </p:sp>
+      <p:sp>
+        <p:nvSpPr>
+          <p:cNvPr id="13" name="TextBox 12">
+            <a:extLst>
+              <a:ext uri="{FF2B5EF4-FFF2-40B4-BE49-F238E27FC236}">
+                <a16:creationId xmlns:a16="http://schemas.microsoft.com/office/drawing/2014/main" id="{75468FB9-0A6C-335D-5C3E-6609C598A5B8}"/>
+              </a:ext>
+            </a:extLst>
+          </p:cNvPr>
+          <p:cNvSpPr txBox="1"/>
+          <p:nvPr/>
+        </p:nvSpPr>
+        <p:spPr>
+          <a:xfrm>
+            <a:off x="2942092" y="3834131"/>
+            <a:ext cx="274434" cy="307777"/>
+          </a:xfrm>
+          <a:prstGeom prst="rect">
+            <a:avLst/>
+          </a:prstGeom>
+          <a:noFill/>
+        </p:spPr>
+        <p:txBody>
+          <a:bodyPr wrap="none" rtlCol="0">
+            <a:spAutoFit/>
+          </a:bodyPr>
+          <a:lstStyle/>
+          <a:p>
+            <a:r>
+              <a:rPr lang="en-US" sz="1400" dirty="0"/>
+              <a:t>*</a:t>
+            </a:r>
+          </a:p>
+        </p:txBody>
+      </p:sp>
+      <p:sp>
+        <p:nvSpPr>
+          <p:cNvPr id="14" name="Rectangle 13">
+            <a:extLst>
+              <a:ext uri="{FF2B5EF4-FFF2-40B4-BE49-F238E27FC236}">
+                <a16:creationId xmlns:a16="http://schemas.microsoft.com/office/drawing/2014/main" id="{36C08043-1548-DA9C-45C3-BA82631728DE}"/>
+              </a:ext>
+            </a:extLst>
+          </p:cNvPr>
+          <p:cNvSpPr/>
+          <p:nvPr/>
+        </p:nvSpPr>
+        <p:spPr>
+          <a:xfrm>
+            <a:off x="796041" y="3212605"/>
+            <a:ext cx="2112668" cy="2175486"/>
+          </a:xfrm>
+          <a:prstGeom prst="rect">
+            <a:avLst/>
+          </a:prstGeom>
+        </p:spPr>
+        <p:style>
+          <a:lnRef idx="2">
+            <a:schemeClr val="dk1"/>
+          </a:lnRef>
+          <a:fillRef idx="1">
+            <a:schemeClr val="lt1"/>
+          </a:fillRef>
+          <a:effectRef idx="0">
+            <a:schemeClr val="dk1"/>
+          </a:effectRef>
+          <a:fontRef idx="minor">
+            <a:schemeClr val="dk1"/>
+          </a:fontRef>
+        </p:style>
+        <p:txBody>
+          <a:bodyPr rot="0" spcFirstLastPara="0" vertOverflow="overflow" horzOverflow="overflow" vert="horz" wrap="square" lIns="91440" tIns="45720" rIns="91440" bIns="45720" numCol="1" spcCol="0" rtlCol="0" fromWordArt="0" anchor="ctr" anchorCtr="0" forceAA="0" compatLnSpc="1">
+            <a:prstTxWarp prst="textNoShape">
+              <a:avLst/>
+            </a:prstTxWarp>
+            <a:noAutofit/>
+          </a:bodyPr>
+          <a:lstStyle/>
+          <a:p>
+            <a:pPr algn="ctr"/>
+            <a:endParaRPr lang="en-US"/>
+          </a:p>
+        </p:txBody>
+      </p:sp>
+      <p:cxnSp>
+        <p:nvCxnSpPr>
+          <p:cNvPr id="15" name="Straight Connector 14">
+            <a:extLst>
+              <a:ext uri="{FF2B5EF4-FFF2-40B4-BE49-F238E27FC236}">
+                <a16:creationId xmlns:a16="http://schemas.microsoft.com/office/drawing/2014/main" id="{E546BB50-E88C-85A3-A6DC-B1A7D2F552DB}"/>
+              </a:ext>
+            </a:extLst>
+          </p:cNvPr>
+          <p:cNvCxnSpPr>
+            <a:cxnSpLocks/>
+          </p:cNvCxnSpPr>
+          <p:nvPr/>
+        </p:nvCxnSpPr>
+        <p:spPr>
+          <a:xfrm>
+            <a:off x="796041" y="3925275"/>
+            <a:ext cx="2112668" cy="0"/>
+          </a:xfrm>
+          <a:prstGeom prst="line">
+            <a:avLst/>
+          </a:prstGeom>
+        </p:spPr>
+        <p:style>
+          <a:lnRef idx="2">
+            <a:schemeClr val="dk1"/>
+          </a:lnRef>
+          <a:fillRef idx="1">
+            <a:schemeClr val="lt1"/>
+          </a:fillRef>
+          <a:effectRef idx="0">
+            <a:schemeClr val="dk1"/>
+          </a:effectRef>
+          <a:fontRef idx="minor">
+            <a:schemeClr val="dk1"/>
+          </a:fontRef>
+        </p:style>
+      </p:cxnSp>
+      <p:sp>
+        <p:nvSpPr>
+          <p:cNvPr id="16" name="TextBox 15">
+            <a:extLst>
+              <a:ext uri="{FF2B5EF4-FFF2-40B4-BE49-F238E27FC236}">
+                <a16:creationId xmlns:a16="http://schemas.microsoft.com/office/drawing/2014/main" id="{CD554E82-5853-4A43-B04A-E427F5CDB0E7}"/>
+              </a:ext>
+            </a:extLst>
+          </p:cNvPr>
+          <p:cNvSpPr txBox="1"/>
+          <p:nvPr/>
+        </p:nvSpPr>
+        <p:spPr>
+          <a:xfrm>
+            <a:off x="1505450" y="3330862"/>
+            <a:ext cx="616579" cy="369332"/>
+          </a:xfrm>
+          <a:prstGeom prst="rect">
+            <a:avLst/>
+          </a:prstGeom>
+          <a:noFill/>
+        </p:spPr>
+        <p:txBody>
+          <a:bodyPr wrap="none" rtlCol="0">
+            <a:spAutoFit/>
+          </a:bodyPr>
+          <a:lstStyle/>
+          <a:p>
+            <a:r>
+              <a:rPr lang="en-US" dirty="0"/>
+              <a:t>Item</a:t>
+            </a:r>
+          </a:p>
+        </p:txBody>
+      </p:sp>
+      <p:sp>
+        <p:nvSpPr>
+          <p:cNvPr id="17" name="TextBox 16">
+            <a:extLst>
+              <a:ext uri="{FF2B5EF4-FFF2-40B4-BE49-F238E27FC236}">
+                <a16:creationId xmlns:a16="http://schemas.microsoft.com/office/drawing/2014/main" id="{30C68D9A-7F69-BB31-92FD-22AD0722CD9C}"/>
+              </a:ext>
+            </a:extLst>
+          </p:cNvPr>
+          <p:cNvSpPr txBox="1"/>
+          <p:nvPr/>
+        </p:nvSpPr>
+        <p:spPr>
+          <a:xfrm>
+            <a:off x="955659" y="3988020"/>
+            <a:ext cx="2112668" cy="1477328"/>
+          </a:xfrm>
+          <a:prstGeom prst="rect">
+            <a:avLst/>
+          </a:prstGeom>
+          <a:noFill/>
+        </p:spPr>
+        <p:txBody>
+          <a:bodyPr wrap="square" rtlCol="0">
+            <a:spAutoFit/>
+          </a:bodyPr>
+          <a:lstStyle/>
+          <a:p>
+            <a:r>
+              <a:rPr lang="en-US" i="1" dirty="0"/>
+              <a:t>id: number</a:t>
+            </a:r>
+          </a:p>
+          <a:p>
+            <a:r>
+              <a:rPr lang="en-US" i="1" dirty="0"/>
+              <a:t>Title: string</a:t>
+            </a:r>
+          </a:p>
+          <a:p>
+            <a:r>
+              <a:rPr lang="en-US" i="1" dirty="0"/>
+              <a:t>item: itemType</a:t>
+            </a:r>
+          </a:p>
+          <a:p>
+            <a:r>
+              <a:rPr lang="en-US" i="1" dirty="0"/>
+              <a:t>Price: number</a:t>
+            </a:r>
+          </a:p>
+          <a:p>
+            <a:endParaRPr lang="en-US" i="1" dirty="0"/>
+          </a:p>
+        </p:txBody>
+      </p:sp>
+      <p:cxnSp>
+        <p:nvCxnSpPr>
+          <p:cNvPr id="18" name="Straight Connector 17">
+            <a:extLst>
+              <a:ext uri="{FF2B5EF4-FFF2-40B4-BE49-F238E27FC236}">
+                <a16:creationId xmlns:a16="http://schemas.microsoft.com/office/drawing/2014/main" id="{798875FE-9B66-348D-43BF-D3F241F64D52}"/>
+              </a:ext>
+            </a:extLst>
+          </p:cNvPr>
+          <p:cNvCxnSpPr>
+            <a:cxnSpLocks/>
+          </p:cNvCxnSpPr>
+          <p:nvPr/>
+        </p:nvCxnSpPr>
+        <p:spPr>
+          <a:xfrm flipH="1">
+            <a:off x="2908709" y="3796688"/>
+            <a:ext cx="1753480" cy="0"/>
+          </a:xfrm>
+          <a:prstGeom prst="line">
+            <a:avLst/>
+          </a:prstGeom>
+        </p:spPr>
+        <p:style>
+          <a:lnRef idx="1">
+            <a:schemeClr val="dk1"/>
+          </a:lnRef>
+          <a:fillRef idx="0">
+            <a:schemeClr val="dk1"/>
+          </a:fillRef>
+          <a:effectRef idx="0">
+            <a:schemeClr val="dk1"/>
+          </a:effectRef>
+          <a:fontRef idx="minor">
+            <a:schemeClr val="tx1"/>
+          </a:fontRef>
+        </p:style>
+      </p:cxnSp>
+      <p:sp>
+        <p:nvSpPr>
+          <p:cNvPr id="21" name="TextBox 20">
+            <a:extLst>
+              <a:ext uri="{FF2B5EF4-FFF2-40B4-BE49-F238E27FC236}">
+                <a16:creationId xmlns:a16="http://schemas.microsoft.com/office/drawing/2014/main" id="{4E05F57B-BEA1-E41D-1CB2-DF792EC812C3}"/>
+              </a:ext>
+            </a:extLst>
+          </p:cNvPr>
+          <p:cNvSpPr txBox="1"/>
+          <p:nvPr/>
+        </p:nvSpPr>
+        <p:spPr>
+          <a:xfrm>
+            <a:off x="7112281" y="3739269"/>
+            <a:ext cx="274434" cy="307777"/>
+          </a:xfrm>
+          <a:prstGeom prst="rect">
+            <a:avLst/>
+          </a:prstGeom>
+          <a:noFill/>
+        </p:spPr>
+        <p:txBody>
+          <a:bodyPr wrap="none" rtlCol="0">
+            <a:spAutoFit/>
+          </a:bodyPr>
+          <a:lstStyle/>
+          <a:p>
+            <a:r>
+              <a:rPr lang="en-US" sz="1400" dirty="0"/>
+              <a:t>*</a:t>
+            </a:r>
+          </a:p>
+        </p:txBody>
+      </p:sp>
+      <p:sp>
+        <p:nvSpPr>
+          <p:cNvPr id="22" name="Rectangle 21">
+            <a:extLst>
+              <a:ext uri="{FF2B5EF4-FFF2-40B4-BE49-F238E27FC236}">
+                <a16:creationId xmlns:a16="http://schemas.microsoft.com/office/drawing/2014/main" id="{4F397F0B-06C9-7818-31ED-A533100CD7A8}"/>
+              </a:ext>
+            </a:extLst>
+          </p:cNvPr>
+          <p:cNvSpPr/>
+          <p:nvPr/>
+        </p:nvSpPr>
+        <p:spPr>
+          <a:xfrm>
+            <a:off x="8969595" y="3212605"/>
+            <a:ext cx="2159828" cy="1687507"/>
+          </a:xfrm>
+          <a:prstGeom prst="rect">
+            <a:avLst/>
+          </a:prstGeom>
+        </p:spPr>
+        <p:style>
+          <a:lnRef idx="2">
+            <a:schemeClr val="dk1"/>
+          </a:lnRef>
+          <a:fillRef idx="1">
+            <a:schemeClr val="lt1"/>
+          </a:fillRef>
+          <a:effectRef idx="0">
+            <a:schemeClr val="dk1"/>
+          </a:effectRef>
+          <a:fontRef idx="minor">
+            <a:schemeClr val="dk1"/>
+          </a:fontRef>
+        </p:style>
+        <p:txBody>
+          <a:bodyPr rot="0" spcFirstLastPara="0" vertOverflow="overflow" horzOverflow="overflow" vert="horz" wrap="square" lIns="91440" tIns="45720" rIns="91440" bIns="45720" numCol="1" spcCol="0" rtlCol="0" fromWordArt="0" anchor="ctr" anchorCtr="0" forceAA="0" compatLnSpc="1">
+            <a:prstTxWarp prst="textNoShape">
+              <a:avLst/>
+            </a:prstTxWarp>
+            <a:noAutofit/>
+          </a:bodyPr>
+          <a:lstStyle/>
+          <a:p>
+            <a:pPr algn="ctr"/>
+            <a:endParaRPr lang="en-US"/>
+          </a:p>
+        </p:txBody>
+      </p:sp>
+      <p:cxnSp>
+        <p:nvCxnSpPr>
+          <p:cNvPr id="23" name="Straight Connector 22">
+            <a:extLst>
+              <a:ext uri="{FF2B5EF4-FFF2-40B4-BE49-F238E27FC236}">
+                <a16:creationId xmlns:a16="http://schemas.microsoft.com/office/drawing/2014/main" id="{B00DDF80-5671-FA7A-C146-1BE9C79DE261}"/>
+              </a:ext>
+            </a:extLst>
+          </p:cNvPr>
+          <p:cNvCxnSpPr/>
+          <p:nvPr/>
+        </p:nvCxnSpPr>
+        <p:spPr>
+          <a:xfrm>
+            <a:off x="8969595" y="3925276"/>
+            <a:ext cx="2159828" cy="0"/>
+          </a:xfrm>
+          <a:prstGeom prst="line">
+            <a:avLst/>
+          </a:prstGeom>
+        </p:spPr>
+        <p:style>
+          <a:lnRef idx="2">
+            <a:schemeClr val="dk1"/>
+          </a:lnRef>
+          <a:fillRef idx="1">
+            <a:schemeClr val="lt1"/>
+          </a:fillRef>
+          <a:effectRef idx="0">
+            <a:schemeClr val="dk1"/>
+          </a:effectRef>
+          <a:fontRef idx="minor">
+            <a:schemeClr val="dk1"/>
+          </a:fontRef>
+        </p:style>
+      </p:cxnSp>
+      <p:sp>
+        <p:nvSpPr>
+          <p:cNvPr id="24" name="TextBox 23">
+            <a:extLst>
+              <a:ext uri="{FF2B5EF4-FFF2-40B4-BE49-F238E27FC236}">
+                <a16:creationId xmlns:a16="http://schemas.microsoft.com/office/drawing/2014/main" id="{39C5B096-1EED-A605-EC15-77ED9F00665C}"/>
+              </a:ext>
+            </a:extLst>
+          </p:cNvPr>
+          <p:cNvSpPr txBox="1"/>
+          <p:nvPr/>
+        </p:nvSpPr>
+        <p:spPr>
+          <a:xfrm>
+            <a:off x="9583109" y="3330863"/>
+            <a:ext cx="1093569" cy="369332"/>
+          </a:xfrm>
+          <a:prstGeom prst="rect">
+            <a:avLst/>
+          </a:prstGeom>
+          <a:noFill/>
+        </p:spPr>
+        <p:txBody>
+          <a:bodyPr wrap="none" rtlCol="0">
+            <a:spAutoFit/>
+          </a:bodyPr>
+          <a:lstStyle/>
+          <a:p>
+            <a:r>
+              <a:rPr lang="en-US" dirty="0"/>
+              <a:t>Customer</a:t>
+            </a:r>
+          </a:p>
+        </p:txBody>
+      </p:sp>
+      <p:cxnSp>
+        <p:nvCxnSpPr>
+          <p:cNvPr id="27" name="Straight Connector 26">
+            <a:extLst>
+              <a:ext uri="{FF2B5EF4-FFF2-40B4-BE49-F238E27FC236}">
+                <a16:creationId xmlns:a16="http://schemas.microsoft.com/office/drawing/2014/main" id="{9E387608-5F1B-513C-0465-5F21203722A7}"/>
+              </a:ext>
+            </a:extLst>
+          </p:cNvPr>
+          <p:cNvCxnSpPr>
+            <a:cxnSpLocks/>
+          </p:cNvCxnSpPr>
+          <p:nvPr/>
+        </p:nvCxnSpPr>
+        <p:spPr>
+          <a:xfrm flipH="1" flipV="1">
+            <a:off x="7071287" y="3682710"/>
+            <a:ext cx="1898308" cy="4014"/>
+          </a:xfrm>
+          <a:prstGeom prst="line">
+            <a:avLst/>
+          </a:prstGeom>
+        </p:spPr>
+        <p:style>
+          <a:lnRef idx="1">
+            <a:schemeClr val="dk1"/>
+          </a:lnRef>
+          <a:fillRef idx="0">
+            <a:schemeClr val="dk1"/>
+          </a:fillRef>
+          <a:effectRef idx="0">
+            <a:schemeClr val="dk1"/>
+          </a:effectRef>
+          <a:fontRef idx="minor">
+            <a:schemeClr val="tx1"/>
+          </a:fontRef>
+        </p:style>
+      </p:cxnSp>
+      <p:sp>
+        <p:nvSpPr>
+          <p:cNvPr id="37" name="TextBox 36">
+            <a:extLst>
+              <a:ext uri="{FF2B5EF4-FFF2-40B4-BE49-F238E27FC236}">
+                <a16:creationId xmlns:a16="http://schemas.microsoft.com/office/drawing/2014/main" id="{EEDFFF17-92DC-A064-C9DD-C73EC370EDFF}"/>
+              </a:ext>
+            </a:extLst>
+          </p:cNvPr>
+          <p:cNvSpPr txBox="1"/>
+          <p:nvPr/>
+        </p:nvSpPr>
+        <p:spPr>
+          <a:xfrm>
+            <a:off x="8654167" y="3738967"/>
+            <a:ext cx="276038" cy="307777"/>
+          </a:xfrm>
+          <a:prstGeom prst="rect">
+            <a:avLst/>
+          </a:prstGeom>
+          <a:noFill/>
+        </p:spPr>
+        <p:txBody>
+          <a:bodyPr wrap="none" rtlCol="0">
+            <a:spAutoFit/>
+          </a:bodyPr>
+          <a:lstStyle/>
+          <a:p>
+            <a:r>
+              <a:rPr lang="en-US" sz="1400" dirty="0"/>
+              <a:t>1</a:t>
+            </a:r>
+          </a:p>
+        </p:txBody>
+      </p:sp>
+      <p:cxnSp>
+        <p:nvCxnSpPr>
+          <p:cNvPr id="39" name="Straight Connector 38">
+            <a:extLst>
+              <a:ext uri="{FF2B5EF4-FFF2-40B4-BE49-F238E27FC236}">
+                <a16:creationId xmlns:a16="http://schemas.microsoft.com/office/drawing/2014/main" id="{A3C49673-CC85-1D40-2C03-2D570E7D5853}"/>
+              </a:ext>
+            </a:extLst>
+          </p:cNvPr>
+          <p:cNvCxnSpPr>
+            <a:cxnSpLocks/>
+          </p:cNvCxnSpPr>
+          <p:nvPr/>
+        </p:nvCxnSpPr>
+        <p:spPr>
+          <a:xfrm flipV="1">
+            <a:off x="4351809" y="1298714"/>
+            <a:ext cx="2534323" cy="14255"/>
+          </a:xfrm>
+          <a:prstGeom prst="line">
+            <a:avLst/>
+          </a:prstGeom>
+        </p:spPr>
+        <p:style>
+          <a:lnRef idx="2">
+            <a:schemeClr val="dk1"/>
+          </a:lnRef>
+          <a:fillRef idx="1">
+            <a:schemeClr val="lt1"/>
+          </a:fillRef>
+          <a:effectRef idx="0">
+            <a:schemeClr val="dk1"/>
+          </a:effectRef>
+          <a:fontRef idx="minor">
+            <a:schemeClr val="dk1"/>
+          </a:fontRef>
+        </p:style>
+      </p:cxnSp>
+      <p:sp>
+        <p:nvSpPr>
+          <p:cNvPr id="40" name="TextBox 39">
+            <a:extLst>
+              <a:ext uri="{FF2B5EF4-FFF2-40B4-BE49-F238E27FC236}">
+                <a16:creationId xmlns:a16="http://schemas.microsoft.com/office/drawing/2014/main" id="{D674F2A0-33C3-DDB5-C996-32F8BC70BF6A}"/>
+              </a:ext>
+            </a:extLst>
+          </p:cNvPr>
+          <p:cNvSpPr txBox="1"/>
+          <p:nvPr/>
+        </p:nvSpPr>
+        <p:spPr>
+          <a:xfrm>
+            <a:off x="4452926" y="1405114"/>
+            <a:ext cx="1510478" cy="369332"/>
+          </a:xfrm>
+          <a:prstGeom prst="rect">
+            <a:avLst/>
+          </a:prstGeom>
+          <a:noFill/>
+        </p:spPr>
+        <p:txBody>
+          <a:bodyPr wrap="none" rtlCol="0">
+            <a:spAutoFit/>
+          </a:bodyPr>
+          <a:lstStyle/>
+          <a:p>
+            <a:r>
+              <a:rPr lang="en-US" dirty="0"/>
+              <a:t>removeOder()</a:t>
             </a:r>
           </a:p>
         </p:txBody>
